--- a/Proposal/Prototype/Prototype – TTU CS Blog.pptx
+++ b/Proposal/Prototype/Prototype – TTU CS Blog.pptx
@@ -301,6 +301,7 @@
           <a:p>
             <a:fld id="{77F27149-8450-42D2-9266-C20098BE6EB9}" type="datetimeFigureOut">
               <a:rPr lang="en-US" smtClean="0"/>
+              <a:pPr/>
               <a:t>10/21/2015</a:t>
             </a:fld>
             <a:endParaRPr lang="en-US"/>
@@ -324,6 +325,7 @@
           <a:p>
             <a:fld id="{B27BB24D-CF13-4C6E-B417-C3794E3CC285}" type="slidenum">
               <a:rPr lang="en-US" smtClean="0"/>
+              <a:pPr/>
               <a:t>‹#›</a:t>
             </a:fld>
             <a:endParaRPr lang="en-US"/>
@@ -466,6 +468,7 @@
           <a:p>
             <a:fld id="{77F27149-8450-42D2-9266-C20098BE6EB9}" type="datetimeFigureOut">
               <a:rPr lang="en-US" smtClean="0"/>
+              <a:pPr/>
               <a:t>10/21/2015</a:t>
             </a:fld>
             <a:endParaRPr lang="en-US"/>
@@ -508,6 +511,7 @@
           <a:p>
             <a:fld id="{B27BB24D-CF13-4C6E-B417-C3794E3CC285}" type="slidenum">
               <a:rPr lang="en-US" smtClean="0"/>
+              <a:pPr/>
               <a:t>‹#›</a:t>
             </a:fld>
             <a:endParaRPr lang="en-US"/>
@@ -641,6 +645,7 @@
           <a:p>
             <a:fld id="{77F27149-8450-42D2-9266-C20098BE6EB9}" type="datetimeFigureOut">
               <a:rPr lang="en-US" smtClean="0"/>
+              <a:pPr/>
               <a:t>10/21/2015</a:t>
             </a:fld>
             <a:endParaRPr lang="en-US"/>
@@ -683,6 +688,7 @@
           <a:p>
             <a:fld id="{B27BB24D-CF13-4C6E-B417-C3794E3CC285}" type="slidenum">
               <a:rPr lang="en-US" smtClean="0"/>
+              <a:pPr/>
               <a:t>‹#›</a:t>
             </a:fld>
             <a:endParaRPr lang="en-US"/>
@@ -806,6 +812,7 @@
           <a:p>
             <a:fld id="{77F27149-8450-42D2-9266-C20098BE6EB9}" type="datetimeFigureOut">
               <a:rPr lang="en-US" smtClean="0"/>
+              <a:pPr/>
               <a:t>10/21/2015</a:t>
             </a:fld>
             <a:endParaRPr lang="en-US"/>
@@ -848,6 +855,7 @@
           <a:p>
             <a:fld id="{B27BB24D-CF13-4C6E-B417-C3794E3CC285}" type="slidenum">
               <a:rPr lang="en-US" smtClean="0"/>
+              <a:pPr/>
               <a:t>‹#›</a:t>
             </a:fld>
             <a:endParaRPr lang="en-US"/>
@@ -1045,6 +1053,7 @@
           <a:p>
             <a:fld id="{77F27149-8450-42D2-9266-C20098BE6EB9}" type="datetimeFigureOut">
               <a:rPr lang="en-US" smtClean="0"/>
+              <a:pPr/>
               <a:t>10/21/2015</a:t>
             </a:fld>
             <a:endParaRPr lang="en-US"/>
@@ -1087,6 +1096,7 @@
           <a:p>
             <a:fld id="{B27BB24D-CF13-4C6E-B417-C3794E3CC285}" type="slidenum">
               <a:rPr lang="en-US" smtClean="0"/>
+              <a:pPr/>
               <a:t>‹#›</a:t>
             </a:fld>
             <a:endParaRPr lang="en-US"/>
@@ -1135,6 +1145,7 @@
           <a:p>
             <a:fld id="{77F27149-8450-42D2-9266-C20098BE6EB9}" type="datetimeFigureOut">
               <a:rPr lang="en-US" smtClean="0"/>
+              <a:pPr/>
               <a:t>10/21/2015</a:t>
             </a:fld>
             <a:endParaRPr lang="en-US"/>
@@ -1177,6 +1188,7 @@
           <a:p>
             <a:fld id="{B27BB24D-CF13-4C6E-B417-C3794E3CC285}" type="slidenum">
               <a:rPr lang="en-US" smtClean="0"/>
+              <a:pPr/>
               <a:t>‹#›</a:t>
             </a:fld>
             <a:endParaRPr lang="en-US"/>
@@ -1509,6 +1521,7 @@
           <a:p>
             <a:fld id="{77F27149-8450-42D2-9266-C20098BE6EB9}" type="datetimeFigureOut">
               <a:rPr lang="en-US" smtClean="0"/>
+              <a:pPr/>
               <a:t>10/21/2015</a:t>
             </a:fld>
             <a:endParaRPr lang="en-US"/>
@@ -1551,6 +1564,7 @@
           <a:p>
             <a:fld id="{B27BB24D-CF13-4C6E-B417-C3794E3CC285}" type="slidenum">
               <a:rPr lang="en-US" smtClean="0"/>
+              <a:pPr/>
               <a:t>‹#›</a:t>
             </a:fld>
             <a:endParaRPr lang="en-US"/>
@@ -1764,6 +1778,7 @@
           <a:p>
             <a:fld id="{77F27149-8450-42D2-9266-C20098BE6EB9}" type="datetimeFigureOut">
               <a:rPr lang="en-US" smtClean="0"/>
+              <a:pPr/>
               <a:t>10/21/2015</a:t>
             </a:fld>
             <a:endParaRPr lang="en-US"/>
@@ -1806,6 +1821,7 @@
           <a:p>
             <a:fld id="{B27BB24D-CF13-4C6E-B417-C3794E3CC285}" type="slidenum">
               <a:rPr lang="en-US" smtClean="0"/>
+              <a:pPr/>
               <a:t>‹#›</a:t>
             </a:fld>
             <a:endParaRPr lang="en-US"/>
@@ -1854,6 +1870,7 @@
           <a:p>
             <a:fld id="{77F27149-8450-42D2-9266-C20098BE6EB9}" type="datetimeFigureOut">
               <a:rPr lang="en-US" smtClean="0"/>
+              <a:pPr/>
               <a:t>10/21/2015</a:t>
             </a:fld>
             <a:endParaRPr lang="en-US"/>
@@ -1896,6 +1913,7 @@
           <a:p>
             <a:fld id="{B27BB24D-CF13-4C6E-B417-C3794E3CC285}" type="slidenum">
               <a:rPr lang="en-US" smtClean="0"/>
+              <a:pPr/>
               <a:t>‹#›</a:t>
             </a:fld>
             <a:endParaRPr lang="en-US"/>
@@ -2128,6 +2146,7 @@
           <a:p>
             <a:fld id="{77F27149-8450-42D2-9266-C20098BE6EB9}" type="datetimeFigureOut">
               <a:rPr lang="en-US" smtClean="0"/>
+              <a:pPr/>
               <a:t>10/21/2015</a:t>
             </a:fld>
             <a:endParaRPr lang="en-US"/>
@@ -2170,6 +2189,7 @@
           <a:p>
             <a:fld id="{B27BB24D-CF13-4C6E-B417-C3794E3CC285}" type="slidenum">
               <a:rPr lang="en-US" smtClean="0"/>
+              <a:pPr/>
               <a:t>‹#›</a:t>
             </a:fld>
             <a:endParaRPr lang="en-US"/>
@@ -2400,6 +2420,7 @@
           <a:p>
             <a:fld id="{77F27149-8450-42D2-9266-C20098BE6EB9}" type="datetimeFigureOut">
               <a:rPr lang="en-US" smtClean="0"/>
+              <a:pPr/>
               <a:t>10/21/2015</a:t>
             </a:fld>
             <a:endParaRPr lang="en-US"/>
@@ -2442,6 +2463,7 @@
           <a:p>
             <a:fld id="{B27BB24D-CF13-4C6E-B417-C3794E3CC285}" type="slidenum">
               <a:rPr lang="en-US" smtClean="0"/>
+              <a:pPr/>
               <a:t>‹#›</a:t>
             </a:fld>
             <a:endParaRPr lang="en-US"/>
@@ -2700,6 +2722,7 @@
           <a:p>
             <a:fld id="{77F27149-8450-42D2-9266-C20098BE6EB9}" type="datetimeFigureOut">
               <a:rPr lang="en-US" smtClean="0"/>
+              <a:pPr/>
               <a:t>10/21/2015</a:t>
             </a:fld>
             <a:endParaRPr lang="en-US"/>
@@ -2739,6 +2762,7 @@
           <a:p>
             <a:fld id="{B27BB24D-CF13-4C6E-B417-C3794E3CC285}" type="slidenum">
               <a:rPr lang="en-US" smtClean="0"/>
+              <a:pPr/>
               <a:t>‹#›</a:t>
             </a:fld>
             <a:endParaRPr lang="en-US"/>
@@ -3203,13 +3227,8 @@
           <a:p>
             <a:r>
               <a:rPr lang="en-US" dirty="0" smtClean="0"/>
-              <a:t>Jason </a:t>
-            </a:r>
-            <a:r>
-              <a:rPr lang="en-US" dirty="0" smtClean="0"/>
-              <a:t>Weber</a:t>
-            </a:r>
-            <a:endParaRPr lang="en-US" dirty="0" smtClean="0"/>
+              <a:t>Jason Weber</a:t>
+            </a:r>
           </a:p>
           <a:p>
             <a:r>
@@ -3227,7 +3246,7 @@
     </p:spTree>
     <p:extLst>
       <p:ext uri="{BB962C8B-B14F-4D97-AF65-F5344CB8AC3E}">
-        <p14:creationId xmlns:p14="http://schemas.microsoft.com/office/powerpoint/2010/main" val="2530725223"/>
+        <p14:creationId xmlns:p14="http://schemas.microsoft.com/office/powerpoint/2010/main" xmlns="" val="2530725223"/>
       </p:ext>
     </p:extLst>
   </p:cSld>
@@ -3314,7 +3333,7 @@
     </p:spTree>
     <p:extLst>
       <p:ext uri="{BB962C8B-B14F-4D97-AF65-F5344CB8AC3E}">
-        <p14:creationId xmlns:p14="http://schemas.microsoft.com/office/powerpoint/2010/main" val="236679059"/>
+        <p14:creationId xmlns:p14="http://schemas.microsoft.com/office/powerpoint/2010/main" xmlns="" val="236679059"/>
       </p:ext>
     </p:extLst>
   </p:cSld>
@@ -3392,14 +3411,12 @@
           </a:p>
           <a:p>
             <a:r>
+              <a:rPr lang="en-US" dirty="0" smtClean="0"/>
+              <a:t>Makes </a:t>
+            </a:r>
+            <a:r>
               <a:rPr lang="en-US" dirty="0"/>
-              <a:t>Checks for a TTU email.</a:t>
-            </a:r>
-          </a:p>
-          <a:p>
-            <a:r>
-              <a:rPr lang="en-US" dirty="0"/>
-              <a:t>Makes sure the user hasn’t already made an account</a:t>
+              <a:t>sure the user hasn’t already made an account</a:t>
             </a:r>
             <a:r>
               <a:rPr lang="en-US" dirty="0" smtClean="0"/>
@@ -3432,7 +3449,7 @@
     </p:spTree>
     <p:extLst>
       <p:ext uri="{BB962C8B-B14F-4D97-AF65-F5344CB8AC3E}">
-        <p14:creationId xmlns:p14="http://schemas.microsoft.com/office/powerpoint/2010/main" val="1867147914"/>
+        <p14:creationId xmlns:p14="http://schemas.microsoft.com/office/powerpoint/2010/main" xmlns="" val="1867147914"/>
       </p:ext>
     </p:extLst>
   </p:cSld>
@@ -3499,8 +3516,31 @@
           <a:p>
             <a:r>
               <a:rPr lang="en-US" dirty="0" smtClean="0"/>
-              <a:t>Assuming a user is logged in.</a:t>
-            </a:r>
+              <a:t>Assuming a </a:t>
+            </a:r>
+            <a:r>
+              <a:rPr lang="en-US" dirty="0" smtClean="0"/>
+              <a:t>registered user </a:t>
+            </a:r>
+            <a:r>
+              <a:rPr lang="en-US" dirty="0" smtClean="0"/>
+              <a:t>is logged in</a:t>
+            </a:r>
+            <a:r>
+              <a:rPr lang="en-US" dirty="0" smtClean="0"/>
+              <a:t>.</a:t>
+            </a:r>
+          </a:p>
+          <a:p>
+            <a:r>
+              <a:rPr lang="en-US" dirty="0" smtClean="0"/>
+              <a:t>Choose a category</a:t>
+            </a:r>
+            <a:r>
+              <a:rPr lang="en-US" dirty="0" smtClean="0"/>
+              <a:t>.</a:t>
+            </a:r>
+            <a:endParaRPr lang="en-US" dirty="0" smtClean="0"/>
           </a:p>
           <a:p>
             <a:r>
@@ -3511,13 +3551,11 @@
           <a:p>
             <a:r>
               <a:rPr lang="en-US" dirty="0" smtClean="0"/>
-              <a:t>Choose a category.</a:t>
-            </a:r>
-          </a:p>
-          <a:p>
-            <a:r>
-              <a:rPr lang="en-US" dirty="0" smtClean="0"/>
-              <a:t>Enter the question.</a:t>
+              <a:t>Enter </a:t>
+            </a:r>
+            <a:r>
+              <a:rPr lang="en-US" dirty="0" smtClean="0"/>
+              <a:t>the question.</a:t>
             </a:r>
             <a:endParaRPr lang="en-US" dirty="0"/>
           </a:p>
@@ -3526,7 +3564,7 @@
     </p:spTree>
     <p:extLst>
       <p:ext uri="{BB962C8B-B14F-4D97-AF65-F5344CB8AC3E}">
-        <p14:creationId xmlns:p14="http://schemas.microsoft.com/office/powerpoint/2010/main" val="1481918323"/>
+        <p14:creationId xmlns:p14="http://schemas.microsoft.com/office/powerpoint/2010/main" xmlns="" val="1481918323"/>
       </p:ext>
     </p:extLst>
   </p:cSld>
@@ -3593,7 +3631,23 @@
           <a:p>
             <a:r>
               <a:rPr lang="en-US" dirty="0" smtClean="0"/>
-              <a:t>Assuming a registered user is logged in.</a:t>
+              <a:t>Assuming </a:t>
+            </a:r>
+            <a:r>
+              <a:rPr lang="en-US" dirty="0" smtClean="0"/>
+              <a:t>an </a:t>
+            </a:r>
+            <a:r>
+              <a:rPr lang="en-US" dirty="0" smtClean="0"/>
+              <a:t>Administrator </a:t>
+            </a:r>
+            <a:r>
+              <a:rPr lang="en-US" dirty="0" smtClean="0"/>
+              <a:t>is </a:t>
+            </a:r>
+            <a:r>
+              <a:rPr lang="en-US" dirty="0" smtClean="0"/>
+              <a:t>logged in.</a:t>
             </a:r>
           </a:p>
           <a:p>
@@ -3608,7 +3662,7 @@
     </p:spTree>
     <p:extLst>
       <p:ext uri="{BB962C8B-B14F-4D97-AF65-F5344CB8AC3E}">
-        <p14:creationId xmlns:p14="http://schemas.microsoft.com/office/powerpoint/2010/main" val="3075725421"/>
+        <p14:creationId xmlns:p14="http://schemas.microsoft.com/office/powerpoint/2010/main" xmlns="" val="3075725421"/>
       </p:ext>
     </p:extLst>
   </p:cSld>
@@ -3681,7 +3735,11 @@
           <a:p>
             <a:r>
               <a:rPr lang="en-US" dirty="0" smtClean="0"/>
-              <a:t>Change or delete.</a:t>
+              <a:t>Change or </a:t>
+            </a:r>
+            <a:r>
+              <a:rPr lang="en-US" dirty="0" smtClean="0"/>
+              <a:t>delete selected category.</a:t>
             </a:r>
             <a:endParaRPr lang="en-US" dirty="0"/>
           </a:p>
@@ -3690,7 +3748,7 @@
     </p:spTree>
     <p:extLst>
       <p:ext uri="{BB962C8B-B14F-4D97-AF65-F5344CB8AC3E}">
-        <p14:creationId xmlns:p14="http://schemas.microsoft.com/office/powerpoint/2010/main" val="533030620"/>
+        <p14:creationId xmlns:p14="http://schemas.microsoft.com/office/powerpoint/2010/main" xmlns="" val="533030620"/>
       </p:ext>
     </p:extLst>
   </p:cSld>
@@ -3734,7 +3792,11 @@
           <a:p>
             <a:r>
               <a:rPr lang="en-US" dirty="0" smtClean="0"/>
-              <a:t>Answer A Post</a:t>
+              <a:t>Answer </a:t>
+            </a:r>
+            <a:r>
+              <a:rPr lang="en-US" dirty="0" smtClean="0"/>
+              <a:t>Post</a:t>
             </a:r>
             <a:endParaRPr lang="en-US" dirty="0"/>
           </a:p>
@@ -3755,6 +3817,16 @@
           <a:bodyPr/>
           <a:lstStyle/>
           <a:p>
+            <a:r>
+              <a:rPr lang="en-US" dirty="0" smtClean="0"/>
+              <a:t>Assume user is logged in and viewing a post.</a:t>
+            </a:r>
+          </a:p>
+          <a:p>
+            <a:r>
+              <a:rPr lang="en-US" dirty="0" smtClean="0"/>
+              <a:t>Type answer to post and select ‘Submit’</a:t>
+            </a:r>
             <a:endParaRPr lang="en-US" dirty="0"/>
           </a:p>
         </p:txBody>
@@ -3762,7 +3834,7 @@
     </p:spTree>
     <p:extLst>
       <p:ext uri="{BB962C8B-B14F-4D97-AF65-F5344CB8AC3E}">
-        <p14:creationId xmlns:p14="http://schemas.microsoft.com/office/powerpoint/2010/main" val="75812900"/>
+        <p14:creationId xmlns:p14="http://schemas.microsoft.com/office/powerpoint/2010/main" xmlns="" val="75812900"/>
       </p:ext>
     </p:extLst>
   </p:cSld>
@@ -3834,14 +3906,24 @@
           <a:bodyPr/>
           <a:lstStyle/>
           <a:p>
-            <a:endParaRPr lang="en-US"/>
+            <a:r>
+              <a:rPr lang="en-US" dirty="0" smtClean="0"/>
+              <a:t>User who made the original post selects an appropriate answer.</a:t>
+            </a:r>
+          </a:p>
+          <a:p>
+            <a:r>
+              <a:rPr lang="en-US" dirty="0" smtClean="0"/>
+              <a:t>The system awards the correct amount of points to the user who submitted the answer.</a:t>
+            </a:r>
+            <a:endParaRPr lang="en-US" dirty="0" smtClean="0"/>
           </a:p>
         </p:txBody>
       </p:sp>
     </p:spTree>
     <p:extLst>
       <p:ext uri="{BB962C8B-B14F-4D97-AF65-F5344CB8AC3E}">
-        <p14:creationId xmlns:p14="http://schemas.microsoft.com/office/powerpoint/2010/main" val="619390980"/>
+        <p14:creationId xmlns:p14="http://schemas.microsoft.com/office/powerpoint/2010/main" xmlns="" val="619390980"/>
       </p:ext>
     </p:extLst>
   </p:cSld>
